--- a/Presentation.pptx
+++ b/Presentation.pptx
@@ -42,14 +42,14 @@
       <p:boldItalic r:id="rId25"/>
     </p:embeddedFont>
     <p:embeddedFont>
-      <p:font typeface="Montserrat" panose="020B0604020202020204" pitchFamily="2" charset="0"/>
+      <p:font typeface="Montserrat" panose="00000500000000000000" pitchFamily="2" charset="0"/>
       <p:regular r:id="rId26"/>
       <p:bold r:id="rId27"/>
       <p:italic r:id="rId28"/>
       <p:boldItalic r:id="rId29"/>
     </p:embeddedFont>
     <p:embeddedFont>
-      <p:font typeface="Open Sans" pitchFamily="2" charset="0"/>
+      <p:font typeface="Open Sans" panose="020B0606030504020204" pitchFamily="34" charset="0"/>
       <p:regular r:id="rId30"/>
       <p:bold r:id="rId31"/>
       <p:italic r:id="rId32"/>
@@ -3323,7 +3323,7 @@
             <a:fld id="{B61BEF0D-F0BB-DE4B-95CE-6DB70DBA9567}" type="datetimeFigureOut">
               <a:rPr lang="en-US" dirty="0"/>
               <a:pPr/>
-              <a:t>4/28/2024</a:t>
+              <a:t>4/30/2024</a:t>
             </a:fld>
             <a:endParaRPr lang="en-US" dirty="0"/>
           </a:p>
@@ -3577,7 +3577,7 @@
             <a:fld id="{B61BEF0D-F0BB-DE4B-95CE-6DB70DBA9567}" type="datetimeFigureOut">
               <a:rPr lang="en-US" dirty="0"/>
               <a:pPr/>
-              <a:t>4/28/2024</a:t>
+              <a:t>4/30/2024</a:t>
             </a:fld>
             <a:endParaRPr lang="en-US" dirty="0"/>
           </a:p>
@@ -3894,7 +3894,7 @@
             <a:fld id="{B61BEF0D-F0BB-DE4B-95CE-6DB70DBA9567}" type="datetimeFigureOut">
               <a:rPr lang="en-US" dirty="0"/>
               <a:pPr/>
-              <a:t>4/28/2024</a:t>
+              <a:t>4/30/2024</a:t>
             </a:fld>
             <a:endParaRPr lang="en-US" dirty="0"/>
           </a:p>
@@ -4238,7 +4238,7 @@
             <a:fld id="{B61BEF0D-F0BB-DE4B-95CE-6DB70DBA9567}" type="datetimeFigureOut">
               <a:rPr lang="en-US" dirty="0"/>
               <a:pPr/>
-              <a:t>4/28/2024</a:t>
+              <a:t>4/30/2024</a:t>
             </a:fld>
             <a:endParaRPr lang="en-US" dirty="0"/>
           </a:p>
@@ -4555,7 +4555,7 @@
             <a:fld id="{B61BEF0D-F0BB-DE4B-95CE-6DB70DBA9567}" type="datetimeFigureOut">
               <a:rPr lang="en-US" dirty="0"/>
               <a:pPr/>
-              <a:t>4/28/2024</a:t>
+              <a:t>4/30/2024</a:t>
             </a:fld>
             <a:endParaRPr lang="en-US" dirty="0"/>
           </a:p>
@@ -4951,7 +4951,7 @@
             <a:fld id="{B61BEF0D-F0BB-DE4B-95CE-6DB70DBA9567}" type="datetimeFigureOut">
               <a:rPr lang="en-US" dirty="0"/>
               <a:pPr/>
-              <a:t>4/28/2024</a:t>
+              <a:t>4/30/2024</a:t>
             </a:fld>
             <a:endParaRPr lang="en-US" dirty="0"/>
           </a:p>
@@ -5123,7 +5123,7 @@
           <a:p>
             <a:fld id="{55C6B4A9-1611-4792-9094-5F34BCA07E0B}" type="datetimeFigureOut">
               <a:rPr lang="en-US" dirty="0"/>
-              <a:t>4/28/2024</a:t>
+              <a:t>4/30/2024</a:t>
             </a:fld>
             <a:endParaRPr lang="en-US" dirty="0"/>
           </a:p>
@@ -5305,7 +5305,7 @@
             <a:fld id="{B61BEF0D-F0BB-DE4B-95CE-6DB70DBA9567}" type="datetimeFigureOut">
               <a:rPr lang="en-US" dirty="0"/>
               <a:pPr/>
-              <a:t>4/28/2024</a:t>
+              <a:t>4/30/2024</a:t>
             </a:fld>
             <a:endParaRPr lang="en-US" dirty="0"/>
           </a:p>
@@ -6464,7 +6464,7 @@
             <a:fld id="{B61BEF0D-F0BB-DE4B-95CE-6DB70DBA9567}" type="datetimeFigureOut">
               <a:rPr lang="en-US" dirty="0"/>
               <a:pPr/>
-              <a:t>4/28/2024</a:t>
+              <a:t>4/30/2024</a:t>
             </a:fld>
             <a:endParaRPr lang="en-US" dirty="0"/>
           </a:p>
@@ -6721,7 +6721,7 @@
             <a:fld id="{B61BEF0D-F0BB-DE4B-95CE-6DB70DBA9567}" type="datetimeFigureOut">
               <a:rPr lang="en-US" dirty="0"/>
               <a:pPr/>
-              <a:t>4/28/2024</a:t>
+              <a:t>4/30/2024</a:t>
             </a:fld>
             <a:endParaRPr lang="en-US" dirty="0"/>
           </a:p>
@@ -6955,7 +6955,7 @@
           <a:p>
             <a:fld id="{EB712588-04B1-427B-82EE-E8DB90309F08}" type="datetimeFigureOut">
               <a:rPr lang="en-US" dirty="0"/>
-              <a:t>4/28/2024</a:t>
+              <a:t>4/30/2024</a:t>
             </a:fld>
             <a:endParaRPr lang="en-US" dirty="0"/>
           </a:p>
@@ -7331,7 +7331,7 @@
             <a:fld id="{B61BEF0D-F0BB-DE4B-95CE-6DB70DBA9567}" type="datetimeFigureOut">
               <a:rPr lang="en-US" dirty="0"/>
               <a:pPr/>
-              <a:t>4/28/2024</a:t>
+              <a:t>4/30/2024</a:t>
             </a:fld>
             <a:endParaRPr lang="en-US" dirty="0"/>
           </a:p>
@@ -7457,7 +7457,7 @@
             <a:fld id="{B61BEF0D-F0BB-DE4B-95CE-6DB70DBA9567}" type="datetimeFigureOut">
               <a:rPr lang="en-US" dirty="0"/>
               <a:pPr/>
-              <a:t>4/28/2024</a:t>
+              <a:t>4/30/2024</a:t>
             </a:fld>
             <a:endParaRPr lang="en-US" dirty="0"/>
           </a:p>
@@ -7555,7 +7555,7 @@
             <a:fld id="{B61BEF0D-F0BB-DE4B-95CE-6DB70DBA9567}" type="datetimeFigureOut">
               <a:rPr lang="en-US" dirty="0"/>
               <a:pPr/>
-              <a:t>4/28/2024</a:t>
+              <a:t>4/30/2024</a:t>
             </a:fld>
             <a:endParaRPr lang="en-US" dirty="0"/>
           </a:p>
@@ -7811,7 +7811,7 @@
           <a:p>
             <a:fld id="{42A54C80-263E-416B-A8E0-580EDEADCBDC}" type="datetimeFigureOut">
               <a:rPr lang="en-US" dirty="0"/>
-              <a:t>4/28/2024</a:t>
+              <a:t>4/30/2024</a:t>
             </a:fld>
             <a:endParaRPr lang="en-US" dirty="0"/>
           </a:p>
@@ -8076,7 +8076,7 @@
             <a:fld id="{B61BEF0D-F0BB-DE4B-95CE-6DB70DBA9567}" type="datetimeFigureOut">
               <a:rPr lang="en-US" dirty="0"/>
               <a:pPr/>
-              <a:t>4/28/2024</a:t>
+              <a:t>4/30/2024</a:t>
             </a:fld>
             <a:endParaRPr lang="en-US" dirty="0"/>
           </a:p>
@@ -8822,7 +8822,7 @@
             <a:fld id="{B61BEF0D-F0BB-DE4B-95CE-6DB70DBA9567}" type="datetimeFigureOut">
               <a:rPr lang="en-US" dirty="0"/>
               <a:pPr/>
-              <a:t>4/28/2024</a:t>
+              <a:t>4/30/2024</a:t>
             </a:fld>
             <a:endParaRPr lang="en-US" dirty="0"/>
           </a:p>
@@ -17037,6 +17037,36 @@
           </a:ln>
         </p:spPr>
       </p:pic>
+      <p:pic>
+        <p:nvPicPr>
+          <p:cNvPr id="3" name="Picture 2">
+            <a:extLst>
+              <a:ext uri="{FF2B5EF4-FFF2-40B4-BE49-F238E27FC236}">
+                <a16:creationId xmlns:a16="http://schemas.microsoft.com/office/drawing/2014/main" id="{DE80D6F8-89AC-4F62-A66C-C65BF3178492}"/>
+              </a:ext>
+            </a:extLst>
+          </p:cNvPr>
+          <p:cNvPicPr>
+            <a:picLocks noChangeAspect="1"/>
+          </p:cNvPicPr>
+          <p:nvPr/>
+        </p:nvPicPr>
+        <p:blipFill>
+          <a:blip r:embed="rId4"/>
+          <a:stretch>
+            <a:fillRect/>
+          </a:stretch>
+        </p:blipFill>
+        <p:spPr>
+          <a:xfrm>
+            <a:off x="8477250" y="7643235"/>
+            <a:ext cx="9144000" cy="5143500"/>
+          </a:xfrm>
+          <a:prstGeom prst="rect">
+            <a:avLst/>
+          </a:prstGeom>
+        </p:spPr>
+      </p:pic>
     </p:spTree>
   </p:cSld>
   <p:clrMapOvr>
